--- a/Week10/W10.03. Joins and Subqueries.pptx
+++ b/Week10/W10.03. Joins and Subqueries.pptx
@@ -180,6 +180,65 @@
     </p:ext>
   </p:extLst>
 </p:presentation>
+</file>
+
+<file path=ppt/changesInfos/changesInfo1.xml><?xml version="1.0" encoding="utf-8"?>
+<pc:chgInfo xmlns:a="http://schemas.openxmlformats.org/drawingml/2006/main" xmlns:r="http://schemas.openxmlformats.org/officeDocument/2006/relationships" xmlns:ac="http://schemas.microsoft.com/office/drawing/2013/main/command" xmlns:pc="http://schemas.microsoft.com/office/powerpoint/2013/main/command">
+  <pc:docChgLst>
+    <pc:chgData name="Chuck Kiefriter" userId="a996b49251c4dfd2" providerId="LiveId" clId="{284B2351-6627-4D3A-8283-A49B7463D1A9}"/>
+    <pc:docChg chg="modSld">
+      <pc:chgData name="Chuck Kiefriter" userId="a996b49251c4dfd2" providerId="LiveId" clId="{284B2351-6627-4D3A-8283-A49B7463D1A9}" dt="2024-02-21T00:43:12.049" v="3" actId="14100"/>
+      <pc:docMkLst>
+        <pc:docMk/>
+      </pc:docMkLst>
+      <pc:sldChg chg="modSp mod">
+        <pc:chgData name="Chuck Kiefriter" userId="a996b49251c4dfd2" providerId="LiveId" clId="{284B2351-6627-4D3A-8283-A49B7463D1A9}" dt="2024-02-21T00:18:46.798" v="0" actId="14100"/>
+        <pc:sldMkLst>
+          <pc:docMk/>
+          <pc:sldMk cId="576913704" sldId="276"/>
+        </pc:sldMkLst>
+        <pc:spChg chg="mod">
+          <ac:chgData name="Chuck Kiefriter" userId="a996b49251c4dfd2" providerId="LiveId" clId="{284B2351-6627-4D3A-8283-A49B7463D1A9}" dt="2024-02-21T00:18:46.798" v="0" actId="14100"/>
+          <ac:spMkLst>
+            <pc:docMk/>
+            <pc:sldMk cId="576913704" sldId="276"/>
+            <ac:spMk id="3" creationId="{670016FA-924F-4386-B4B3-FACA557707F8}"/>
+          </ac:spMkLst>
+        </pc:spChg>
+      </pc:sldChg>
+      <pc:sldChg chg="modSp mod">
+        <pc:chgData name="Chuck Kiefriter" userId="a996b49251c4dfd2" providerId="LiveId" clId="{284B2351-6627-4D3A-8283-A49B7463D1A9}" dt="2024-02-21T00:26:53.022" v="1" actId="20577"/>
+        <pc:sldMkLst>
+          <pc:docMk/>
+          <pc:sldMk cId="834980063" sldId="282"/>
+        </pc:sldMkLst>
+        <pc:spChg chg="mod">
+          <ac:chgData name="Chuck Kiefriter" userId="a996b49251c4dfd2" providerId="LiveId" clId="{284B2351-6627-4D3A-8283-A49B7463D1A9}" dt="2024-02-21T00:26:53.022" v="1" actId="20577"/>
+          <ac:spMkLst>
+            <pc:docMk/>
+            <pc:sldMk cId="834980063" sldId="282"/>
+            <ac:spMk id="3" creationId="{77B36520-733D-46B7-B5BC-296FA77CED05}"/>
+          </ac:spMkLst>
+        </pc:spChg>
+      </pc:sldChg>
+      <pc:sldChg chg="modSp mod">
+        <pc:chgData name="Chuck Kiefriter" userId="a996b49251c4dfd2" providerId="LiveId" clId="{284B2351-6627-4D3A-8283-A49B7463D1A9}" dt="2024-02-21T00:43:12.049" v="3" actId="14100"/>
+        <pc:sldMkLst>
+          <pc:docMk/>
+          <pc:sldMk cId="2317536664" sldId="293"/>
+        </pc:sldMkLst>
+        <pc:spChg chg="mod">
+          <ac:chgData name="Chuck Kiefriter" userId="a996b49251c4dfd2" providerId="LiveId" clId="{284B2351-6627-4D3A-8283-A49B7463D1A9}" dt="2024-02-21T00:43:12.049" v="3" actId="14100"/>
+          <ac:spMkLst>
+            <pc:docMk/>
+            <pc:sldMk cId="2317536664" sldId="293"/>
+            <ac:spMk id="3" creationId="{3673B035-557D-4903-9564-59BEE73DE061}"/>
+          </ac:spMkLst>
+        </pc:spChg>
+      </pc:sldChg>
+    </pc:docChg>
+  </pc:docChgLst>
+</pc:chgInfo>
 </file>
 
 <file path=ppt/diagrams/colors1.xml><?xml version="1.0" encoding="utf-8"?>
@@ -12168,7 +12227,7 @@
           <a:p>
             <a:fld id="{BF1BC3E4-C956-40CB-AFCD-8F927AFF366E}" type="datetimeFigureOut">
               <a:rPr lang="en-US" smtClean="0"/>
-              <a:t>1/11/2022</a:t>
+              <a:t>2/20/2024</a:t>
             </a:fld>
             <a:endParaRPr lang="en-US"/>
           </a:p>
@@ -12435,6 +12494,90 @@
 </p:notesMaster>
 </file>
 
+<file path=ppt/notesSlides/notesSlide1.xml><?xml version="1.0" encoding="utf-8"?>
+<p:notes xmlns:a="http://schemas.openxmlformats.org/drawingml/2006/main" xmlns:r="http://schemas.openxmlformats.org/officeDocument/2006/relationships" xmlns:p="http://schemas.openxmlformats.org/presentationml/2006/main">
+  <p:cSld>
+    <p:spTree>
+      <p:nvGrpSpPr>
+        <p:cNvPr id="1" name=""/>
+        <p:cNvGrpSpPr/>
+        <p:nvPr/>
+      </p:nvGrpSpPr>
+      <p:grpSpPr>
+        <a:xfrm>
+          <a:off x="0" y="0"/>
+          <a:ext cx="0" cy="0"/>
+          <a:chOff x="0" y="0"/>
+          <a:chExt cx="0" cy="0"/>
+        </a:xfrm>
+      </p:grpSpPr>
+      <p:sp>
+        <p:nvSpPr>
+          <p:cNvPr id="2" name="Slide Image Placeholder 1"/>
+          <p:cNvSpPr>
+            <a:spLocks noGrp="1" noRot="1" noChangeAspect="1"/>
+          </p:cNvSpPr>
+          <p:nvPr>
+            <p:ph type="sldImg"/>
+          </p:nvPr>
+        </p:nvSpPr>
+        <p:spPr/>
+      </p:sp>
+      <p:sp>
+        <p:nvSpPr>
+          <p:cNvPr id="3" name="Notes Placeholder 2"/>
+          <p:cNvSpPr>
+            <a:spLocks noGrp="1"/>
+          </p:cNvSpPr>
+          <p:nvPr>
+            <p:ph type="body" idx="1"/>
+          </p:nvPr>
+        </p:nvSpPr>
+        <p:spPr/>
+        <p:txBody>
+          <a:bodyPr/>
+          <a:lstStyle/>
+          <a:p>
+            <a:endParaRPr lang="en-US" dirty="0"/>
+          </a:p>
+        </p:txBody>
+      </p:sp>
+      <p:sp>
+        <p:nvSpPr>
+          <p:cNvPr id="4" name="Slide Number Placeholder 3"/>
+          <p:cNvSpPr>
+            <a:spLocks noGrp="1"/>
+          </p:cNvSpPr>
+          <p:nvPr>
+            <p:ph type="sldNum" sz="quarter" idx="5"/>
+          </p:nvPr>
+        </p:nvSpPr>
+        <p:spPr/>
+        <p:txBody>
+          <a:bodyPr/>
+          <a:lstStyle/>
+          <a:p>
+            <a:fld id="{2524059C-20AD-48E2-B243-62F40DF01D90}" type="slidenum">
+              <a:rPr lang="en-US" smtClean="0"/>
+              <a:t>6</a:t>
+            </a:fld>
+            <a:endParaRPr lang="en-US"/>
+          </a:p>
+        </p:txBody>
+      </p:sp>
+    </p:spTree>
+    <p:extLst>
+      <p:ext uri="{BB962C8B-B14F-4D97-AF65-F5344CB8AC3E}">
+        <p14:creationId xmlns:p14="http://schemas.microsoft.com/office/powerpoint/2010/main" val="3462152523"/>
+      </p:ext>
+    </p:extLst>
+  </p:cSld>
+  <p:clrMapOvr>
+    <a:masterClrMapping/>
+  </p:clrMapOvr>
+</p:notes>
+</file>
+
 <file path=ppt/slideLayouts/slideLayout1.xml><?xml version="1.0" encoding="utf-8"?>
 <p:sldLayout xmlns:a="http://schemas.openxmlformats.org/drawingml/2006/main" xmlns:r="http://schemas.openxmlformats.org/officeDocument/2006/relationships" xmlns:p="http://schemas.openxmlformats.org/presentationml/2006/main" type="title" preserve="1">
   <p:cSld name="Title Slide">
@@ -12679,7 +12822,7 @@
           <a:p>
             <a:fld id="{548C5E67-172B-4F6A-B3B9-DEF72F952E5B}" type="datetimeFigureOut">
               <a:rPr lang="en-US" smtClean="0"/>
-              <a:t>1/11/2022</a:t>
+              <a:t>2/20/2024</a:t>
             </a:fld>
             <a:endParaRPr lang="en-US"/>
           </a:p>
@@ -12883,7 +13026,7 @@
           <a:p>
             <a:fld id="{548C5E67-172B-4F6A-B3B9-DEF72F952E5B}" type="datetimeFigureOut">
               <a:rPr lang="en-US" smtClean="0"/>
-              <a:t>1/11/2022</a:t>
+              <a:t>2/20/2024</a:t>
             </a:fld>
             <a:endParaRPr lang="en-US"/>
           </a:p>
@@ -13077,7 +13220,7 @@
           <a:p>
             <a:fld id="{548C5E67-172B-4F6A-B3B9-DEF72F952E5B}" type="datetimeFigureOut">
               <a:rPr lang="en-US" smtClean="0"/>
-              <a:t>1/11/2022</a:t>
+              <a:t>2/20/2024</a:t>
             </a:fld>
             <a:endParaRPr lang="en-US"/>
           </a:p>
@@ -14122,7 +14265,7 @@
           <a:p>
             <a:fld id="{548C5E67-172B-4F6A-B3B9-DEF72F952E5B}" type="datetimeFigureOut">
               <a:rPr lang="en-US" smtClean="0"/>
-              <a:t>1/11/2022</a:t>
+              <a:t>2/20/2024</a:t>
             </a:fld>
             <a:endParaRPr lang="en-US"/>
           </a:p>
@@ -14403,7 +14546,7 @@
           <a:p>
             <a:fld id="{548C5E67-172B-4F6A-B3B9-DEF72F952E5B}" type="datetimeFigureOut">
               <a:rPr lang="en-US" smtClean="0"/>
-              <a:t>1/11/2022</a:t>
+              <a:t>2/20/2024</a:t>
             </a:fld>
             <a:endParaRPr lang="en-US"/>
           </a:p>
@@ -16948,7 +17091,7 @@
                 <a:latin typeface="Courier New" panose="02070309020205020404" pitchFamily="49" charset="0"/>
                 <a:cs typeface="Courier New" panose="02070309020205020404" pitchFamily="49" charset="0"/>
               </a:rPr>
-              <a:t> = 1</a:t>
+              <a:t> = 1;</a:t>
             </a:r>
           </a:p>
           <a:p>
@@ -20247,8 +20390,8 @@
         </p:nvSpPr>
         <p:spPr>
           <a:xfrm>
-            <a:off x="838200" y="1825625"/>
-            <a:ext cx="6045200" cy="4351338"/>
+            <a:off x="649224" y="1825625"/>
+            <a:ext cx="11420856" cy="4351338"/>
           </a:xfrm>
         </p:spPr>
         <p:txBody>
@@ -21897,7 +22040,12 @@
             <p:ph idx="1"/>
           </p:nvPr>
         </p:nvSpPr>
-        <p:spPr/>
+        <p:spPr>
+          <a:xfrm>
+            <a:off x="838200" y="1825625"/>
+            <a:ext cx="11049000" cy="4351338"/>
+          </a:xfrm>
+        </p:spPr>
         <p:txBody>
           <a:bodyPr/>
           <a:lstStyle/>

--- a/Week10/W10.03. Joins and Subqueries.pptx
+++ b/Week10/W10.03. Joins and Subqueries.pptx
@@ -233,6 +233,30 @@
             <pc:docMk/>
             <pc:sldMk cId="2317536664" sldId="293"/>
             <ac:spMk id="3" creationId="{3673B035-557D-4903-9564-59BEE73DE061}"/>
+          </ac:spMkLst>
+        </pc:spChg>
+      </pc:sldChg>
+    </pc:docChg>
+  </pc:docChgLst>
+  <pc:docChgLst>
+    <pc:chgData name="Chuck Kiefriter" userId="a996b49251c4dfd2" providerId="LiveId" clId="{A38D1DE3-3BF0-4E5D-BBF6-22315B2DFE43}"/>
+    <pc:docChg chg="modSld">
+      <pc:chgData name="Chuck Kiefriter" userId="a996b49251c4dfd2" providerId="LiveId" clId="{A38D1DE3-3BF0-4E5D-BBF6-22315B2DFE43}" dt="2024-10-09T23:17:12.148" v="0" actId="1036"/>
+      <pc:docMkLst>
+        <pc:docMk/>
+      </pc:docMkLst>
+      <pc:sldChg chg="modSp mod">
+        <pc:chgData name="Chuck Kiefriter" userId="a996b49251c4dfd2" providerId="LiveId" clId="{A38D1DE3-3BF0-4E5D-BBF6-22315B2DFE43}" dt="2024-10-09T23:17:12.148" v="0" actId="1036"/>
+        <pc:sldMkLst>
+          <pc:docMk/>
+          <pc:sldMk cId="576913704" sldId="276"/>
+        </pc:sldMkLst>
+        <pc:spChg chg="mod">
+          <ac:chgData name="Chuck Kiefriter" userId="a996b49251c4dfd2" providerId="LiveId" clId="{A38D1DE3-3BF0-4E5D-BBF6-22315B2DFE43}" dt="2024-10-09T23:17:12.148" v="0" actId="1036"/>
+          <ac:spMkLst>
+            <pc:docMk/>
+            <pc:sldMk cId="576913704" sldId="276"/>
+            <ac:spMk id="3" creationId="{670016FA-924F-4386-B4B3-FACA557707F8}"/>
           </ac:spMkLst>
         </pc:spChg>
       </pc:sldChg>
@@ -12227,7 +12251,7 @@
           <a:p>
             <a:fld id="{BF1BC3E4-C956-40CB-AFCD-8F927AFF366E}" type="datetimeFigureOut">
               <a:rPr lang="en-US" smtClean="0"/>
-              <a:t>2/20/2024</a:t>
+              <a:t>10/9/2024</a:t>
             </a:fld>
             <a:endParaRPr lang="en-US"/>
           </a:p>
@@ -12822,7 +12846,7 @@
           <a:p>
             <a:fld id="{548C5E67-172B-4F6A-B3B9-DEF72F952E5B}" type="datetimeFigureOut">
               <a:rPr lang="en-US" smtClean="0"/>
-              <a:t>2/20/2024</a:t>
+              <a:t>10/9/2024</a:t>
             </a:fld>
             <a:endParaRPr lang="en-US"/>
           </a:p>
@@ -13026,7 +13050,7 @@
           <a:p>
             <a:fld id="{548C5E67-172B-4F6A-B3B9-DEF72F952E5B}" type="datetimeFigureOut">
               <a:rPr lang="en-US" smtClean="0"/>
-              <a:t>2/20/2024</a:t>
+              <a:t>10/9/2024</a:t>
             </a:fld>
             <a:endParaRPr lang="en-US"/>
           </a:p>
@@ -13220,7 +13244,7 @@
           <a:p>
             <a:fld id="{548C5E67-172B-4F6A-B3B9-DEF72F952E5B}" type="datetimeFigureOut">
               <a:rPr lang="en-US" smtClean="0"/>
-              <a:t>2/20/2024</a:t>
+              <a:t>10/9/2024</a:t>
             </a:fld>
             <a:endParaRPr lang="en-US"/>
           </a:p>
@@ -14265,7 +14289,7 @@
           <a:p>
             <a:fld id="{548C5E67-172B-4F6A-B3B9-DEF72F952E5B}" type="datetimeFigureOut">
               <a:rPr lang="en-US" smtClean="0"/>
-              <a:t>2/20/2024</a:t>
+              <a:t>10/9/2024</a:t>
             </a:fld>
             <a:endParaRPr lang="en-US"/>
           </a:p>
@@ -14546,7 +14570,7 @@
           <a:p>
             <a:fld id="{548C5E67-172B-4F6A-B3B9-DEF72F952E5B}" type="datetimeFigureOut">
               <a:rPr lang="en-US" smtClean="0"/>
-              <a:t>2/20/2024</a:t>
+              <a:t>10/9/2024</a:t>
             </a:fld>
             <a:endParaRPr lang="en-US"/>
           </a:p>
@@ -22042,7 +22066,7 @@
         </p:nvSpPr>
         <p:spPr>
           <a:xfrm>
-            <a:off x="838200" y="1825625"/>
+            <a:off x="838200" y="1834769"/>
             <a:ext cx="11049000" cy="4351338"/>
           </a:xfrm>
         </p:spPr>
